--- a/Powerpoints/Spoergsmaal6.pptx
+++ b/Powerpoints/Spoergsmaal6.pptx
@@ -6774,7 +6774,7 @@
             </a:r>
             <a:r>
               <a:rPr lang="da-DK" dirty="0"/>
-              <a:t> til at underbygge forklaringen-</a:t>
+              <a:t> til at underbygge forklaringen.</a:t>
             </a:r>
           </a:p>
           <a:p>
@@ -7642,76 +7642,31 @@
           <a:p>
             <a:r>
               <a:rPr lang="da-DK" dirty="0"/>
-              <a:t>URL-</a:t>
+              <a:t>Hvad går det ud på? </a:t>
             </a:r>
             <a:r>
               <a:rPr lang="da-DK" dirty="0" err="1"/>
-              <a:t>Tampering</a:t>
+              <a:t>char</a:t>
             </a:r>
             <a:r>
               <a:rPr lang="da-DK" dirty="0"/>
-              <a:t>: Database PK – API Attack </a:t>
-            </a:r>
+              <a:t>[500] buffer;</a:t>
+            </a:r>
+          </a:p>
+          <a:p>
             <a:r>
               <a:rPr lang="da-DK" dirty="0" err="1"/>
-              <a:t>tools</a:t>
+              <a:t>Segmentation</a:t>
+            </a:r>
+            <a:r>
+              <a:rPr lang="da-DK" dirty="0"/>
+              <a:t> </a:t>
+            </a:r>
+            <a:r>
+              <a:rPr lang="da-DK" dirty="0" err="1"/>
+              <a:t>Error</a:t>
             </a:r>
             <a:endParaRPr lang="da-DK" dirty="0"/>
-          </a:p>
-          <a:p>
-            <a:r>
-              <a:rPr lang="da-DK" dirty="0"/>
-              <a:t>HTML-</a:t>
-            </a:r>
-            <a:r>
-              <a:rPr lang="da-DK" dirty="0" err="1"/>
-              <a:t>Tampering</a:t>
-            </a:r>
-            <a:r>
-              <a:rPr lang="da-DK" dirty="0"/>
-              <a:t>: </a:t>
-            </a:r>
-            <a:r>
-              <a:rPr lang="da-DK" dirty="0" err="1"/>
-              <a:t>maxlength</a:t>
-            </a:r>
-            <a:r>
-              <a:rPr lang="da-DK" dirty="0"/>
-              <a:t>, </a:t>
-            </a:r>
-            <a:r>
-              <a:rPr lang="da-DK" dirty="0" err="1"/>
-              <a:t>readonly</a:t>
-            </a:r>
-            <a:r>
-              <a:rPr lang="da-DK" dirty="0"/>
-              <a:t>, min/max </a:t>
-            </a:r>
-            <a:r>
-              <a:rPr lang="da-DK" dirty="0" err="1"/>
-              <a:t>values</a:t>
-            </a:r>
-            <a:r>
-              <a:rPr lang="da-DK" dirty="0"/>
-              <a:t>.</a:t>
-            </a:r>
-          </a:p>
-          <a:p>
-            <a:r>
-              <a:rPr lang="da-DK" dirty="0"/>
-              <a:t>Elevation of </a:t>
-            </a:r>
-            <a:r>
-              <a:rPr lang="da-DK" dirty="0" err="1"/>
-              <a:t>privilige</a:t>
-            </a:r>
-            <a:endParaRPr lang="da-DK" dirty="0"/>
-          </a:p>
-          <a:p>
-            <a:r>
-              <a:rPr lang="da-DK" dirty="0"/>
-              <a:t>CORS-policy</a:t>
-            </a:r>
           </a:p>
         </p:txBody>
       </p:sp>
@@ -9639,8 +9594,83 @@
               <a:t>Validering af brugerinput</a:t>
             </a:r>
           </a:p>
-        </p:txBody>
-      </p:sp>
+          <a:p>
+            <a:r>
+              <a:rPr lang="da-DK" dirty="0"/>
+              <a:t>Register </a:t>
+            </a:r>
+            <a:r>
+              <a:rPr lang="da-DK" dirty="0" err="1"/>
+              <a:t>shuffle</a:t>
+            </a:r>
+            <a:endParaRPr lang="da-DK" dirty="0"/>
+          </a:p>
+          <a:p>
+            <a:r>
+              <a:rPr lang="da-DK" dirty="0" err="1"/>
+              <a:t>Fuzz</a:t>
+            </a:r>
+            <a:r>
+              <a:rPr lang="da-DK" dirty="0"/>
+              <a:t>-Test</a:t>
+            </a:r>
+          </a:p>
+          <a:p>
+            <a:r>
+              <a:rPr lang="da-DK" dirty="0" err="1"/>
+              <a:t>Anti</a:t>
+            </a:r>
+            <a:r>
+              <a:rPr lang="da-DK" dirty="0"/>
+              <a:t>-Debugging (</a:t>
+            </a:r>
+            <a:r>
+              <a:rPr lang="da-DK" dirty="0" err="1"/>
+              <a:t>Anti</a:t>
+            </a:r>
+            <a:r>
+              <a:rPr lang="da-DK" dirty="0"/>
+              <a:t>-Anti-debugger)</a:t>
+            </a:r>
+          </a:p>
+          <a:p>
+            <a:pPr marL="0" indent="0">
+              <a:buNone/>
+            </a:pPr>
+            <a:endParaRPr lang="da-DK" dirty="0"/>
+          </a:p>
+        </p:txBody>
+      </p:sp>
+      <p:pic>
+        <p:nvPicPr>
+          <p:cNvPr id="5" name="Billede 4">
+            <a:extLst>
+              <a:ext uri="{FF2B5EF4-FFF2-40B4-BE49-F238E27FC236}">
+                <a16:creationId xmlns:a16="http://schemas.microsoft.com/office/drawing/2014/main" id="{630AC55D-9C12-43DA-8E22-2609DB33A429}"/>
+              </a:ext>
+            </a:extLst>
+          </p:cNvPr>
+          <p:cNvPicPr>
+            <a:picLocks noChangeAspect="1"/>
+          </p:cNvPicPr>
+          <p:nvPr/>
+        </p:nvPicPr>
+        <p:blipFill>
+          <a:blip r:embed="rId2"/>
+          <a:stretch>
+            <a:fillRect/>
+          </a:stretch>
+        </p:blipFill>
+        <p:spPr>
+          <a:xfrm>
+            <a:off x="6362702" y="4421809"/>
+            <a:ext cx="4381497" cy="1363890"/>
+          </a:xfrm>
+          <a:prstGeom prst="rect">
+            <a:avLst/>
+          </a:prstGeom>
+        </p:spPr>
+      </p:pic>
     </p:spTree>
     <p:extLst>
       <p:ext uri="{BB962C8B-B14F-4D97-AF65-F5344CB8AC3E}">
@@ -10254,6 +10284,9 @@
               <a:rPr lang="da-DK" dirty="0"/>
               <a:t>Cracking</a:t>
             </a:r>
+          </a:p>
+          <a:p>
+            <a:endParaRPr lang="da-DK" dirty="0"/>
           </a:p>
         </p:txBody>
       </p:sp>
@@ -11060,6 +11093,14 @@
 </file>
 
 <file path=customXml/item1.xml><?xml version="1.0" encoding="utf-8"?>
+<p:properties xmlns:p="http://schemas.microsoft.com/office/2006/metadata/properties" xmlns:xsi="http://www.w3.org/2001/XMLSchema-instance" xmlns:pc="http://schemas.microsoft.com/office/infopath/2007/PartnerControls">
+  <documentManagement>
+    <MediaServiceKeyPoints xmlns="71af3243-3dd4-4a8d-8c0d-dd76da1f02a5" xsi:nil="true"/>
+  </documentManagement>
+</p:properties>
+</file>
+
+<file path=customXml/item2.xml><?xml version="1.0" encoding="utf-8"?>
 <ct:contentTypeSchema xmlns:ct="http://schemas.microsoft.com/office/2006/metadata/contentType" xmlns:ma="http://schemas.microsoft.com/office/2006/metadata/properties/metaAttributes" ct:_="" ma:_="" ma:contentTypeName="Document" ma:contentTypeID="0x01010079F111ED35F8CC479449609E8A0923A6" ma:contentTypeVersion="11" ma:contentTypeDescription="Create a new document." ma:contentTypeScope="" ma:versionID="9677210f24a1be23c92c90fd886aa0aa">
   <xsd:schema xmlns:xsd="http://www.w3.org/2001/XMLSchema" xmlns:xs="http://www.w3.org/2001/XMLSchema" xmlns:p="http://schemas.microsoft.com/office/2006/metadata/properties" xmlns:ns2="71af3243-3dd4-4a8d-8c0d-dd76da1f02a5" xmlns:ns3="16c05727-aa75-4e4a-9b5f-8a80a1165891" targetNamespace="http://schemas.microsoft.com/office/2006/metadata/properties" ma:root="true" ma:fieldsID="60e05723c5c1908df1a1a4ebf11d344e" ns2:_="" ns3:_="">
     <xsd:import namespace="71af3243-3dd4-4a8d-8c0d-dd76da1f02a5"/>
@@ -11270,14 +11311,6 @@
 </ct:contentTypeSchema>
 </file>
 
-<file path=customXml/item2.xml><?xml version="1.0" encoding="utf-8"?>
-<p:properties xmlns:p="http://schemas.microsoft.com/office/2006/metadata/properties" xmlns:xsi="http://www.w3.org/2001/XMLSchema-instance" xmlns:pc="http://schemas.microsoft.com/office/infopath/2007/PartnerControls">
-  <documentManagement>
-    <MediaServiceKeyPoints xmlns="71af3243-3dd4-4a8d-8c0d-dd76da1f02a5" xsi:nil="true"/>
-  </documentManagement>
-</p:properties>
-</file>
-
 <file path=customXml/item3.xml><?xml version="1.0" encoding="utf-8"?>
 <?mso-contentType ?>
 <FormTemplates xmlns="http://schemas.microsoft.com/sharepoint/v3/contenttype/forms">
@@ -11288,6 +11321,16 @@
 </file>
 
 <file path=customXml/itemProps1.xml><?xml version="1.0" encoding="utf-8"?>
+<ds:datastoreItem xmlns:ds="http://schemas.openxmlformats.org/officeDocument/2006/customXml" ds:itemID="{63AC0881-EA88-432B-86BB-4EB78D0EA8C1}">
+  <ds:schemaRefs>
+    <ds:schemaRef ds:uri="http://schemas.microsoft.com/office/2006/metadata/properties"/>
+    <ds:schemaRef ds:uri="http://schemas.microsoft.com/office/infopath/2007/PartnerControls"/>
+    <ds:schemaRef ds:uri="71af3243-3dd4-4a8d-8c0d-dd76da1f02a5"/>
+  </ds:schemaRefs>
+</ds:datastoreItem>
+</file>
+
+<file path=customXml/itemProps2.xml><?xml version="1.0" encoding="utf-8"?>
 <ds:datastoreItem xmlns:ds="http://schemas.openxmlformats.org/officeDocument/2006/customXml" ds:itemID="{6F027939-E3B8-41D6-8A67-A640CA8A50F6}">
   <ds:schemaRefs>
     <ds:schemaRef ds:uri="http://schemas.microsoft.com/office/2006/metadata/contentType"/>
@@ -11306,16 +11349,6 @@
 </ds:datastoreItem>
 </file>
 
-<file path=customXml/itemProps2.xml><?xml version="1.0" encoding="utf-8"?>
-<ds:datastoreItem xmlns:ds="http://schemas.openxmlformats.org/officeDocument/2006/customXml" ds:itemID="{63AC0881-EA88-432B-86BB-4EB78D0EA8C1}">
-  <ds:schemaRefs>
-    <ds:schemaRef ds:uri="http://schemas.microsoft.com/office/2006/metadata/properties"/>
-    <ds:schemaRef ds:uri="http://schemas.microsoft.com/office/infopath/2007/PartnerControls"/>
-    <ds:schemaRef ds:uri="71af3243-3dd4-4a8d-8c0d-dd76da1f02a5"/>
-  </ds:schemaRefs>
-</ds:datastoreItem>
-</file>
-
 <file path=customXml/itemProps3.xml><?xml version="1.0" encoding="utf-8"?>
 <ds:datastoreItem xmlns:ds="http://schemas.openxmlformats.org/officeDocument/2006/customXml" ds:itemID="{6A1E945A-F8B2-4917-A3C0-E5FD0C7053C5}">
   <ds:schemaRefs>

--- a/Powerpoints/Spoergsmaal6.pptx
+++ b/Powerpoints/Spoergsmaal6.pptx
@@ -210,7 +210,7 @@
             <a:pPr rtl="0"/>
             <a:fld id="{8077B08D-2487-4D86-B500-0AB642B9DBDB}" type="datetime1">
               <a:rPr lang="da-DK" smtClean="0"/>
-              <a:t>10-01-2021</a:t>
+              <a:t>11-01-2021</a:t>
             </a:fld>
             <a:endParaRPr lang="da-DK" dirty="0"/>
           </a:p>
@@ -380,7 +380,7 @@
             <a:fld id="{35C6014B-011E-47E8-B399-338BB8F7B8A2}" type="datetime1">
               <a:rPr lang="da-DK" smtClean="0"/>
               <a:pPr/>
-              <a:t>10-01-2021</a:t>
+              <a:t>11-01-2021</a:t>
             </a:fld>
             <a:endParaRPr lang="da-DK" dirty="0"/>
           </a:p>
@@ -989,7 +989,7 @@
             <a:fld id="{CE9CAD03-4E12-469F-9273-8A57C976C3A4}" type="datetime1">
               <a:rPr lang="da-DK" smtClean="0"/>
               <a:pPr/>
-              <a:t>10-01-2021</a:t>
+              <a:t>11-01-2021</a:t>
             </a:fld>
             <a:endParaRPr lang="da-DK" dirty="0"/>
           </a:p>
@@ -1318,7 +1318,7 @@
             <a:fld id="{D8F0FA1E-FE24-4B9A-8289-C1AD03F1962A}" type="datetime1">
               <a:rPr lang="da-DK" smtClean="0"/>
               <a:pPr/>
-              <a:t>10-01-2021</a:t>
+              <a:t>11-01-2021</a:t>
             </a:fld>
             <a:endParaRPr lang="da-DK" dirty="0"/>
           </a:p>
@@ -1570,7 +1570,7 @@
             <a:fld id="{D02EF962-8E35-4580-8D21-32903B8C0BB0}" type="datetime1">
               <a:rPr lang="da-DK" smtClean="0"/>
               <a:pPr/>
-              <a:t>10-01-2021</a:t>
+              <a:t>11-01-2021</a:t>
             </a:fld>
             <a:endParaRPr lang="da-DK" dirty="0"/>
           </a:p>
@@ -1913,7 +1913,7 @@
             <a:fld id="{C42D8918-2B29-404B-89D3-6ACEBA05454D}" type="datetime1">
               <a:rPr lang="da-DK" smtClean="0"/>
               <a:pPr/>
-              <a:t>10-01-2021</a:t>
+              <a:t>11-01-2021</a:t>
             </a:fld>
             <a:endParaRPr lang="da-DK" dirty="0"/>
           </a:p>
@@ -2264,7 +2264,7 @@
             <a:fld id="{F99855E5-37B0-4049-AA48-9CCD2B32DAF7}" type="datetime1">
               <a:rPr lang="da-DK" smtClean="0"/>
               <a:pPr/>
-              <a:t>10-01-2021</a:t>
+              <a:t>11-01-2021</a:t>
             </a:fld>
             <a:endParaRPr lang="da-DK" dirty="0"/>
           </a:p>
@@ -2642,7 +2642,7 @@
             <a:fld id="{2AB0CA8C-2AFF-4BCD-9DCC-6FD1BF1F00D0}" type="datetime1">
               <a:rPr lang="da-DK" smtClean="0"/>
               <a:pPr/>
-              <a:t>10-01-2021</a:t>
+              <a:t>11-01-2021</a:t>
             </a:fld>
             <a:endParaRPr lang="da-DK" dirty="0"/>
           </a:p>
@@ -3115,7 +3115,7 @@
             <a:fld id="{4CC3B155-EF09-4D55-BD0D-0836D976C20E}" type="datetime1">
               <a:rPr lang="da-DK" smtClean="0"/>
               <a:pPr/>
-              <a:t>10-01-2021</a:t>
+              <a:t>11-01-2021</a:t>
             </a:fld>
             <a:endParaRPr lang="da-DK" dirty="0"/>
           </a:p>
@@ -3324,7 +3324,7 @@
             <a:fld id="{362FE45A-E51C-44AA-AFA5-AFBC81DC7DDE}" type="datetime1">
               <a:rPr lang="da-DK" smtClean="0"/>
               <a:pPr/>
-              <a:t>10-01-2021</a:t>
+              <a:t>11-01-2021</a:t>
             </a:fld>
             <a:endParaRPr lang="da-DK" dirty="0"/>
           </a:p>
@@ -3539,7 +3539,7 @@
             <a:fld id="{F9A65D54-2FAA-4A76-8AC1-D0A6D079CD29}" type="datetime1">
               <a:rPr lang="da-DK" smtClean="0"/>
               <a:pPr/>
-              <a:t>10-01-2021</a:t>
+              <a:t>11-01-2021</a:t>
             </a:fld>
             <a:endParaRPr lang="da-DK" dirty="0"/>
           </a:p>
@@ -3775,7 +3775,7 @@
             <a:fld id="{E1657619-C3D5-429C-B08B-DD35C33230BA}" type="datetime1">
               <a:rPr lang="da-DK" smtClean="0"/>
               <a:pPr/>
-              <a:t>10-01-2021</a:t>
+              <a:t>11-01-2021</a:t>
             </a:fld>
             <a:endParaRPr lang="da-DK" dirty="0"/>
           </a:p>
@@ -4026,7 +4026,7 @@
             <a:fld id="{0F3A4874-7C65-45C9-B88D-0C9229A96866}" type="datetime1">
               <a:rPr lang="da-DK" smtClean="0"/>
               <a:pPr/>
-              <a:t>10-01-2021</a:t>
+              <a:t>11-01-2021</a:t>
             </a:fld>
             <a:endParaRPr lang="da-DK" dirty="0"/>
           </a:p>
@@ -4328,7 +4328,7 @@
             <a:fld id="{440CFD84-990C-4902-8B5F-C5562C4CF409}" type="datetime1">
               <a:rPr lang="da-DK" smtClean="0"/>
               <a:pPr/>
-              <a:t>10-01-2021</a:t>
+              <a:t>11-01-2021</a:t>
             </a:fld>
             <a:endParaRPr lang="da-DK" dirty="0"/>
           </a:p>
@@ -4725,7 +4725,7 @@
             <a:fld id="{0FC0ECCB-5637-47DE-A091-361EF855819D}" type="datetime1">
               <a:rPr lang="da-DK" smtClean="0"/>
               <a:pPr/>
-              <a:t>10-01-2021</a:t>
+              <a:t>11-01-2021</a:t>
             </a:fld>
             <a:endParaRPr lang="da-DK" dirty="0"/>
           </a:p>
@@ -4878,7 +4878,7 @@
             <a:fld id="{7A25DA3C-0806-4435-86DD-1D5C9936D65B}" type="datetime1">
               <a:rPr lang="da-DK" smtClean="0"/>
               <a:pPr/>
-              <a:t>10-01-2021</a:t>
+              <a:t>11-01-2021</a:t>
             </a:fld>
             <a:endParaRPr lang="da-DK" dirty="0"/>
           </a:p>
@@ -5007,7 +5007,7 @@
             <a:fld id="{7E401879-41F1-41D8-9792-BDD6A2C85707}" type="datetime1">
               <a:rPr lang="da-DK" smtClean="0"/>
               <a:pPr/>
-              <a:t>10-01-2021</a:t>
+              <a:t>11-01-2021</a:t>
             </a:fld>
             <a:endParaRPr lang="da-DK" dirty="0"/>
           </a:p>
@@ -5266,7 +5266,7 @@
             <a:fld id="{98CABFCD-3DF8-4DB8-9264-FEEC74F79A0C}" type="datetime1">
               <a:rPr lang="da-DK" smtClean="0"/>
               <a:pPr/>
-              <a:t>10-01-2021</a:t>
+              <a:t>11-01-2021</a:t>
             </a:fld>
             <a:endParaRPr lang="da-DK" dirty="0"/>
           </a:p>
@@ -5586,7 +5586,7 @@
             <a:fld id="{4876CA1C-756F-47DD-A55C-94B954E6F08E}" type="datetime1">
               <a:rPr lang="da-DK" smtClean="0"/>
               <a:pPr/>
-              <a:t>10-01-2021</a:t>
+              <a:t>11-01-2021</a:t>
             </a:fld>
             <a:endParaRPr lang="da-DK" dirty="0"/>
           </a:p>
@@ -5934,7 +5934,7 @@
           <a:p>
             <a:fld id="{DA912368-A7F2-4802-9144-D4C71A394022}" type="datetime1">
               <a:rPr lang="da-DK" smtClean="0"/>
-              <a:t>10-01-2021</a:t>
+              <a:t>11-01-2021</a:t>
             </a:fld>
             <a:endParaRPr lang="da-DK" dirty="0"/>
           </a:p>
@@ -6492,7 +6492,7 @@
         </p:nvSpPr>
         <p:spPr>
           <a:xfrm>
-            <a:off x="2061578" y="2650604"/>
+            <a:off x="1610394" y="2650604"/>
             <a:ext cx="8280402" cy="2698186"/>
           </a:xfrm>
           <a:prstGeom prst="rect">
@@ -7084,12 +7084,14 @@
         </p:nvSpPr>
         <p:spPr/>
         <p:txBody>
-          <a:bodyPr/>
+          <a:bodyPr>
+            <a:normAutofit fontScale="90000"/>
+          </a:bodyPr>
           <a:lstStyle/>
           <a:p>
             <a:r>
               <a:rPr lang="da-DK" dirty="0"/>
-              <a:t>Buffer </a:t>
+              <a:t>Principper: Buffer </a:t>
             </a:r>
             <a:r>
               <a:rPr lang="da-DK" dirty="0" err="1"/>
@@ -7393,7 +7395,7 @@
         <p:spPr>
           <a:xfrm>
             <a:off x="1447801" y="2635703"/>
-            <a:ext cx="9339804" cy="3157425"/>
+            <a:ext cx="5466703" cy="3157425"/>
           </a:xfrm>
           <a:prstGeom prst="rect">
             <a:avLst/>
@@ -7642,15 +7644,28 @@
           <a:p>
             <a:r>
               <a:rPr lang="da-DK" dirty="0"/>
-              <a:t>Hvad går det ud på? </a:t>
+              <a:t>Hvad går det ud på?</a:t>
+            </a:r>
+          </a:p>
+          <a:p>
+            <a:r>
+              <a:rPr lang="da-DK" dirty="0"/>
+              <a:t>Virtual Memory </a:t>
             </a:r>
             <a:r>
               <a:rPr lang="da-DK" dirty="0" err="1"/>
-              <a:t>char</a:t>
+              <a:t>space</a:t>
+            </a:r>
+            <a:endParaRPr lang="da-DK" dirty="0"/>
+          </a:p>
+          <a:p>
+            <a:r>
+              <a:rPr lang="da-DK" dirty="0" err="1"/>
+              <a:t>Stack</a:t>
             </a:r>
             <a:r>
               <a:rPr lang="da-DK" dirty="0"/>
-              <a:t>[500] buffer;</a:t>
+              <a:t> (LIFO) – Statiske variabler</a:t>
             </a:r>
           </a:p>
           <a:p>
@@ -9597,13 +9612,31 @@
           <a:p>
             <a:r>
               <a:rPr lang="da-DK" dirty="0"/>
+              <a:t>Return-to-libc.dll Attack </a:t>
+            </a:r>
+          </a:p>
+          <a:p>
+            <a:pPr lvl="1"/>
+            <a:r>
+              <a:rPr lang="da-DK" dirty="0"/>
               <a:t>Register </a:t>
             </a:r>
             <a:r>
               <a:rPr lang="da-DK" dirty="0" err="1"/>
               <a:t>shuffle</a:t>
             </a:r>
-            <a:endParaRPr lang="da-DK" dirty="0"/>
+            <a:r>
+              <a:rPr lang="da-DK" dirty="0"/>
+              <a:t> (Address Space Layout </a:t>
+            </a:r>
+            <a:r>
+              <a:rPr lang="da-DK" dirty="0" err="1"/>
+              <a:t>Randomization</a:t>
+            </a:r>
+            <a:r>
+              <a:rPr lang="da-DK" dirty="0"/>
+              <a:t>)</a:t>
+            </a:r>
           </a:p>
           <a:p>
             <a:r>
@@ -9663,7 +9696,7 @@
         </p:blipFill>
         <p:spPr>
           <a:xfrm>
-            <a:off x="6362702" y="4421809"/>
+            <a:off x="6406108" y="4179517"/>
             <a:ext cx="4381497" cy="1363890"/>
           </a:xfrm>
           <a:prstGeom prst="rect">
@@ -9723,8 +9756,20 @@
           <a:lstStyle/>
           <a:p>
             <a:r>
+              <a:rPr lang="da-DK" dirty="0" err="1"/>
+              <a:t>Adversarial</a:t>
+            </a:r>
+            <a:r>
               <a:rPr lang="da-DK" dirty="0"/>
-              <a:t>Andet relevant</a:t>
+              <a:t> </a:t>
+            </a:r>
+            <a:r>
+              <a:rPr lang="da-DK" dirty="0" err="1"/>
+              <a:t>Examples</a:t>
+            </a:r>
+            <a:r>
+              <a:rPr lang="da-DK" dirty="0"/>
+              <a:t> - Andet relevant</a:t>
             </a:r>
           </a:p>
         </p:txBody>
@@ -10268,21 +10313,39 @@
             </a:r>
             <a:r>
               <a:rPr lang="da-DK" dirty="0"/>
-              <a:t> (Debugger </a:t>
-            </a:r>
-            <a:r>
-              <a:rPr lang="da-DK" dirty="0" err="1"/>
-              <a:t>stackniveau</a:t>
-            </a:r>
-            <a:r>
-              <a:rPr lang="da-DK" dirty="0"/>
-              <a:t>)</a:t>
+              <a:t> (Debugger assemblerniveau)</a:t>
             </a:r>
           </a:p>
           <a:p>
             <a:r>
               <a:rPr lang="da-DK" dirty="0"/>
               <a:t>Cracking</a:t>
+            </a:r>
+          </a:p>
+          <a:p>
+            <a:r>
+              <a:rPr lang="da-DK" dirty="0" err="1"/>
+              <a:t>Adversarial</a:t>
+            </a:r>
+            <a:r>
+              <a:rPr lang="da-DK" dirty="0"/>
+              <a:t> </a:t>
+            </a:r>
+            <a:r>
+              <a:rPr lang="da-DK" dirty="0" err="1"/>
+              <a:t>Examples</a:t>
+            </a:r>
+            <a:r>
+              <a:rPr lang="da-DK" dirty="0"/>
+              <a:t> i Machine Learning (1 </a:t>
+            </a:r>
+            <a:r>
+              <a:rPr lang="da-DK" dirty="0" err="1"/>
+              <a:t>fixed</a:t>
+            </a:r>
+            <a:r>
+              <a:rPr lang="da-DK" dirty="0"/>
+              <a:t> pixel position)</a:t>
             </a:r>
           </a:p>
           <a:p>
